--- a/DsDotNet/src/UnitTest/UnitTest.Model/ImportOfficeExample/Sample/Factory.pptx
+++ b/DsDotNet/src/UnitTest/UnitTest.Model/ImportOfficeExample/Sample/Factory.pptx
@@ -4419,10 +4419,10 @@
       </p:grpSp>
       <p:grpSp>
         <p:nvGrpSpPr>
-          <p:cNvPr id="50" name="그룹 49">
+          <p:cNvPr id="3" name="그룹 2">
             <a:extLst>
               <a:ext uri="{FF2B5EF4-FFF2-40B4-BE49-F238E27FC236}">
-                <a16:creationId xmlns:a16="http://schemas.microsoft.com/office/drawing/2014/main" id="{C940C4CD-15F7-1135-451B-086F81DF49D0}"/>
+                <a16:creationId xmlns:a16="http://schemas.microsoft.com/office/drawing/2014/main" id="{2D94075F-79B2-1F57-EA8D-9123F7C419F2}"/>
               </a:ext>
             </a:extLst>
           </p:cNvPr>
@@ -4431,18 +4431,18 @@
         </p:nvGrpSpPr>
         <p:grpSpPr>
           <a:xfrm>
-            <a:off x="522144" y="5137150"/>
-            <a:ext cx="3510106" cy="1368066"/>
+            <a:off x="522144" y="5182871"/>
+            <a:ext cx="3510106" cy="745398"/>
             <a:chOff x="848416" y="1962150"/>
             <a:chExt cx="5724526" cy="3590925"/>
           </a:xfrm>
         </p:grpSpPr>
         <p:sp>
           <p:nvSpPr>
-            <p:cNvPr id="51" name="직사각형 50">
+            <p:cNvPr id="4" name="직사각형 3">
               <a:extLst>
                 <a:ext uri="{FF2B5EF4-FFF2-40B4-BE49-F238E27FC236}">
-                  <a16:creationId xmlns:a16="http://schemas.microsoft.com/office/drawing/2014/main" id="{B34B5E3E-5AB1-D552-266B-43406400A585}"/>
+                  <a16:creationId xmlns:a16="http://schemas.microsoft.com/office/drawing/2014/main" id="{44700624-74AC-D502-2B55-CFBEDAD4A6AF}"/>
                 </a:ext>
               </a:extLst>
             </p:cNvPr>
@@ -4486,14 +4486,14 @@
             <a:p>
               <a:pPr algn="ctr"/>
               <a:r>
-                <a:rPr lang="en-US" altLang="ko-KR" sz="2800" dirty="0">
+                <a:rPr lang="en-US" altLang="ko-KR" sz="1050" dirty="0">
                   <a:solidFill>
                     <a:schemeClr val="tx1"/>
                   </a:solidFill>
                 </a:rPr>
-                <a:t>Line1_Remove</a:t>
+                <a:t>Line1_RESET</a:t>
               </a:r>
-              <a:endParaRPr lang="ko-KR" altLang="en-US" sz="1200" dirty="0">
+              <a:endParaRPr lang="ko-KR" altLang="en-US" sz="500" dirty="0">
                 <a:solidFill>
                   <a:schemeClr val="tx1"/>
                 </a:solidFill>
@@ -4503,10 +4503,10 @@
         </p:sp>
         <p:sp>
           <p:nvSpPr>
-            <p:cNvPr id="52" name="타원 51">
+            <p:cNvPr id="5" name="타원 4">
               <a:extLst>
                 <a:ext uri="{FF2B5EF4-FFF2-40B4-BE49-F238E27FC236}">
-                  <a16:creationId xmlns:a16="http://schemas.microsoft.com/office/drawing/2014/main" id="{8C736CF1-ECE2-5DE7-2466-DA6481092396}"/>
+                  <a16:creationId xmlns:a16="http://schemas.microsoft.com/office/drawing/2014/main" id="{57A183DF-7284-1A70-56EA-B5D4A97BDEDE}"/>
                 </a:ext>
               </a:extLst>
             </p:cNvPr>
@@ -4515,8 +4515,8 @@
           </p:nvSpPr>
           <p:spPr>
             <a:xfrm>
-              <a:off x="2008291" y="3757613"/>
-              <a:ext cx="3239080" cy="1182853"/>
+              <a:off x="2091139" y="3265084"/>
+              <a:ext cx="3239080" cy="1182854"/>
             </a:xfrm>
             <a:prstGeom prst="ellipse">
               <a:avLst/>
@@ -4550,10 +4550,10 @@
             <a:p>
               <a:pPr algn="ctr"/>
               <a:r>
-                <a:rPr lang="en-US" altLang="ko-KR" dirty="0"/>
+                <a:rPr lang="en-US" altLang="ko-KR" sz="800" dirty="0"/>
                 <a:t>Line1 $Func2</a:t>
               </a:r>
-              <a:endParaRPr lang="ko-KR" altLang="en-US" dirty="0"/>
+              <a:endParaRPr lang="ko-KR" altLang="en-US" sz="800" dirty="0"/>
             </a:p>
           </p:txBody>
         </p:sp>

--- a/DsDotNet/src/UnitTest/UnitTest.Model/ImportOfficeExample/Sample/Factory.pptx
+++ b/DsDotNet/src/UnitTest/UnitTest.Model/ImportOfficeExample/Sample/Factory.pptx
@@ -1651,7 +1651,7 @@
             <a:pPr rtl="0"/>
             <a:fld id="{253C4B8E-01F0-49DB-9813-C383CBCD4BDF}" type="datetime1">
               <a:rPr lang="ko-KR" altLang="en-US" smtClean="0"/>
-              <a:t>2023-11-02</a:t>
+              <a:t>2023-11-05</a:t>
             </a:fld>
             <a:endParaRPr lang="ko-KR"/>
           </a:p>
@@ -1833,7 +1833,7 @@
             <a:pPr rtl="0"/>
             <a:fld id="{3A6F407E-5533-4A20-9E83-3BE9F89F0701}" type="datetime1">
               <a:rPr lang="ko-KR" altLang="en-US" smtClean="0"/>
-              <a:t>2023-11-02</a:t>
+              <a:t>2023-11-05</a:t>
             </a:fld>
             <a:endParaRPr lang="ko-KR"/>
           </a:p>
@@ -3917,7 +3917,7 @@
           <a:p>
             <a:r>
               <a:rPr lang="en-US" altLang="ko-KR" dirty="0"/>
-              <a:t>Loading Name $ Api </a:t>
+              <a:t>Loading Name . Api </a:t>
             </a:r>
           </a:p>
           <a:p>
@@ -3935,7 +3935,7 @@
             </a:r>
             <a:r>
               <a:rPr lang="en-US" altLang="ko-KR" dirty="0"/>
-              <a:t>’$‘ </a:t>
+              <a:t>’.‘ </a:t>
             </a:r>
             <a:r>
               <a:rPr lang="ko-KR" altLang="en-US" dirty="0"/>
@@ -4269,7 +4269,7 @@
               <a:pPr algn="ctr"/>
               <a:r>
                 <a:rPr lang="en-US" altLang="ko-KR" dirty="0"/>
-                <a:t>Line1 $Func1</a:t>
+                <a:t>Line1 .Func1</a:t>
               </a:r>
               <a:endParaRPr lang="ko-KR" altLang="en-US" dirty="0"/>
             </a:p>
@@ -4410,7 +4410,7 @@
               <a:pPr algn="ctr"/>
               <a:r>
                 <a:rPr lang="en-US" altLang="ko-KR" dirty="0"/>
-                <a:t>Line2 $Func1</a:t>
+                <a:t>Line2 .Func1</a:t>
               </a:r>
               <a:endParaRPr lang="ko-KR" altLang="en-US" dirty="0"/>
             </a:p>
@@ -4551,7 +4551,7 @@
               <a:pPr algn="ctr"/>
               <a:r>
                 <a:rPr lang="en-US" altLang="ko-KR" sz="800" dirty="0"/>
-                <a:t>Line1 $Func2</a:t>
+                <a:t>Line1 .Func2</a:t>
               </a:r>
               <a:endParaRPr lang="ko-KR" altLang="en-US" sz="800" dirty="0"/>
             </a:p>
@@ -5372,6 +5372,25 @@
 </file>
 
 <file path=customXml/item2.xml><?xml version="1.0" encoding="utf-8"?>
+<p:properties xmlns:p="http://schemas.microsoft.com/office/2006/metadata/properties" xmlns:xsi="http://www.w3.org/2001/XMLSchema-instance" xmlns:pc="http://schemas.microsoft.com/office/infopath/2007/PartnerControls">
+  <documentManagement>
+    <_ip_UnifiedCompliancePolicyUIAction xmlns="http://schemas.microsoft.com/sharepoint/v3" xsi:nil="true"/>
+    <Image xmlns="71af3243-3dd4-4a8d-8c0d-dd76da1f02a5">
+      <Url xsi:nil="true"/>
+      <Description xsi:nil="true"/>
+    </Image>
+    <Status xmlns="71af3243-3dd4-4a8d-8c0d-dd76da1f02a5">Not started</Status>
+    <_ip_UnifiedCompliancePolicyProperties xmlns="http://schemas.microsoft.com/sharepoint/v3" xsi:nil="true"/>
+    <lcf76f155ced4ddcb4097134ff3c332f xmlns="71af3243-3dd4-4a8d-8c0d-dd76da1f02a5">
+      <Terms xmlns="http://schemas.microsoft.com/office/infopath/2007/PartnerControls"/>
+    </lcf76f155ced4ddcb4097134ff3c332f>
+    <TaxCatchAll xmlns="230e9df3-be65-4c73-a93b-d1236ebd677e"/>
+    <MediaServiceKeyPoints xmlns="71af3243-3dd4-4a8d-8c0d-dd76da1f02a5" xsi:nil="true"/>
+  </documentManagement>
+</p:properties>
+</file>
+
+<file path=customXml/item3.xml><?xml version="1.0" encoding="utf-8"?>
 <ct:contentTypeSchema xmlns:ct="http://schemas.microsoft.com/office/2006/metadata/contentType" xmlns:ma="http://schemas.microsoft.com/office/2006/metadata/properties/metaAttributes" ct:_="" ma:_="" ma:contentTypeName="Document" ma:contentTypeID="0x01010079F111ED35F8CC479449609E8A0923A6" ma:contentTypeVersion="18" ma:contentTypeDescription="Create a new document." ma:contentTypeScope="" ma:versionID="22a266b9fa9a230c5a512669d8b298c3">
   <xsd:schema xmlns:xsd="http://www.w3.org/2001/XMLSchema" xmlns:xs="http://www.w3.org/2001/XMLSchema" xmlns:p="http://schemas.microsoft.com/office/2006/metadata/properties" xmlns:ns1="http://schemas.microsoft.com/sharepoint/v3" xmlns:ns2="71af3243-3dd4-4a8d-8c0d-dd76da1f02a5" xmlns:ns3="16c05727-aa75-4e4a-9b5f-8a80a1165891" xmlns:ns4="230e9df3-be65-4c73-a93b-d1236ebd677e" targetNamespace="http://schemas.microsoft.com/office/2006/metadata/properties" ma:root="true" ma:fieldsID="eddc33fff6b14141ee5c74a0d29ea6a1" ns1:_="" ns2:_="" ns3:_="" ns4:_="">
     <xsd:import namespace="http://schemas.microsoft.com/sharepoint/v3"/>
@@ -5647,25 +5666,6 @@
 </ct:contentTypeSchema>
 </file>
 
-<file path=customXml/item3.xml><?xml version="1.0" encoding="utf-8"?>
-<p:properties xmlns:p="http://schemas.microsoft.com/office/2006/metadata/properties" xmlns:xsi="http://www.w3.org/2001/XMLSchema-instance" xmlns:pc="http://schemas.microsoft.com/office/infopath/2007/PartnerControls">
-  <documentManagement>
-    <_ip_UnifiedCompliancePolicyUIAction xmlns="http://schemas.microsoft.com/sharepoint/v3" xsi:nil="true"/>
-    <Image xmlns="71af3243-3dd4-4a8d-8c0d-dd76da1f02a5">
-      <Url xsi:nil="true"/>
-      <Description xsi:nil="true"/>
-    </Image>
-    <Status xmlns="71af3243-3dd4-4a8d-8c0d-dd76da1f02a5">Not started</Status>
-    <_ip_UnifiedCompliancePolicyProperties xmlns="http://schemas.microsoft.com/sharepoint/v3" xsi:nil="true"/>
-    <lcf76f155ced4ddcb4097134ff3c332f xmlns="71af3243-3dd4-4a8d-8c0d-dd76da1f02a5">
-      <Terms xmlns="http://schemas.microsoft.com/office/infopath/2007/PartnerControls"/>
-    </lcf76f155ced4ddcb4097134ff3c332f>
-    <TaxCatchAll xmlns="230e9df3-be65-4c73-a93b-d1236ebd677e"/>
-    <MediaServiceKeyPoints xmlns="71af3243-3dd4-4a8d-8c0d-dd76da1f02a5" xsi:nil="true"/>
-  </documentManagement>
-</p:properties>
-</file>
-
 <file path=customXml/itemProps1.xml><?xml version="1.0" encoding="utf-8"?>
 <ds:datastoreItem xmlns:ds="http://schemas.openxmlformats.org/officeDocument/2006/customXml" ds:itemID="{904751AB-E840-446F-8D49-E697067EC887}">
   <ds:schemaRefs>
@@ -5675,6 +5675,25 @@
 </file>
 
 <file path=customXml/itemProps2.xml><?xml version="1.0" encoding="utf-8"?>
+<ds:datastoreItem xmlns:ds="http://schemas.openxmlformats.org/officeDocument/2006/customXml" ds:itemID="{50811A92-D464-4AC4-A396-BA73B10CEEAC}">
+  <ds:schemaRefs>
+    <ds:schemaRef ds:uri="http://purl.org/dc/terms/"/>
+    <ds:schemaRef ds:uri="http://schemas.microsoft.com/office/2006/metadata/properties"/>
+    <ds:schemaRef ds:uri="http://schemas.microsoft.com/office/2006/documentManagement/types"/>
+    <ds:schemaRef ds:uri="http://purl.org/dc/dcmitype/"/>
+    <ds:schemaRef ds:uri="16c05727-aa75-4e4a-9b5f-8a80a1165891"/>
+    <ds:schemaRef ds:uri="230e9df3-be65-4c73-a93b-d1236ebd677e"/>
+    <ds:schemaRef ds:uri="http://schemas.microsoft.com/office/infopath/2007/PartnerControls"/>
+    <ds:schemaRef ds:uri="http://schemas.openxmlformats.org/package/2006/metadata/core-properties"/>
+    <ds:schemaRef ds:uri="http://purl.org/dc/elements/1.1/"/>
+    <ds:schemaRef ds:uri="71af3243-3dd4-4a8d-8c0d-dd76da1f02a5"/>
+    <ds:schemaRef ds:uri="http://schemas.microsoft.com/sharepoint/v3"/>
+    <ds:schemaRef ds:uri="http://www.w3.org/XML/1998/namespace"/>
+  </ds:schemaRefs>
+</ds:datastoreItem>
+</file>
+
+<file path=customXml/itemProps3.xml><?xml version="1.0" encoding="utf-8"?>
 <ds:datastoreItem xmlns:ds="http://schemas.openxmlformats.org/officeDocument/2006/customXml" ds:itemID="{DE4876F9-7AE1-498D-B8FE-1E3AD703D2AF}">
   <ds:schemaRefs>
     <ds:schemaRef ds:uri="http://schemas.microsoft.com/office/2006/metadata/contentType"/>
@@ -5695,25 +5714,6 @@
 </ds:datastoreItem>
 </file>
 
-<file path=customXml/itemProps3.xml><?xml version="1.0" encoding="utf-8"?>
-<ds:datastoreItem xmlns:ds="http://schemas.openxmlformats.org/officeDocument/2006/customXml" ds:itemID="{50811A92-D464-4AC4-A396-BA73B10CEEAC}">
-  <ds:schemaRefs>
-    <ds:schemaRef ds:uri="http://purl.org/dc/terms/"/>
-    <ds:schemaRef ds:uri="http://schemas.microsoft.com/office/2006/metadata/properties"/>
-    <ds:schemaRef ds:uri="http://schemas.microsoft.com/office/2006/documentManagement/types"/>
-    <ds:schemaRef ds:uri="http://purl.org/dc/dcmitype/"/>
-    <ds:schemaRef ds:uri="16c05727-aa75-4e4a-9b5f-8a80a1165891"/>
-    <ds:schemaRef ds:uri="230e9df3-be65-4c73-a93b-d1236ebd677e"/>
-    <ds:schemaRef ds:uri="http://schemas.microsoft.com/office/infopath/2007/PartnerControls"/>
-    <ds:schemaRef ds:uri="http://schemas.openxmlformats.org/package/2006/metadata/core-properties"/>
-    <ds:schemaRef ds:uri="http://purl.org/dc/elements/1.1/"/>
-    <ds:schemaRef ds:uri="71af3243-3dd4-4a8d-8c0d-dd76da1f02a5"/>
-    <ds:schemaRef ds:uri="http://schemas.microsoft.com/sharepoint/v3"/>
-    <ds:schemaRef ds:uri="http://www.w3.org/XML/1998/namespace"/>
-  </ds:schemaRefs>
-</ds:datastoreItem>
-</file>
-
 <file path=docMetadata/LabelInfo.xml><?xml version="1.0" encoding="utf-8"?>
 <clbl:labelList xmlns:clbl="http://schemas.microsoft.com/office/2020/mipLabelMetadata">
   <clbl:label id="{f42aa342-8706-4288-bd11-ebb85995028c}" enabled="1" method="Standard" siteId="{72f988bf-86f1-41af-91ab-2d7cd011db47}" contentBits="0" removed="0"/>

--- a/DsDotNet/src/UnitTest/UnitTest.Model/ImportOfficeExample/Sample/Factory.pptx
+++ b/DsDotNet/src/UnitTest/UnitTest.Model/ImportOfficeExample/Sample/Factory.pptx
@@ -1651,7 +1651,7 @@
             <a:pPr rtl="0"/>
             <a:fld id="{253C4B8E-01F0-49DB-9813-C383CBCD4BDF}" type="datetime1">
               <a:rPr lang="ko-KR" altLang="en-US" smtClean="0"/>
-              <a:t>2023-11-05</a:t>
+              <a:t>2023-11-06</a:t>
             </a:fld>
             <a:endParaRPr lang="ko-KR"/>
           </a:p>
@@ -1833,7 +1833,7 @@
             <a:pPr rtl="0"/>
             <a:fld id="{3A6F407E-5533-4A20-9E83-3BE9F89F0701}" type="datetime1">
               <a:rPr lang="ko-KR" altLang="en-US" smtClean="0"/>
-              <a:t>2023-11-05</a:t>
+              <a:t>2023-11-06</a:t>
             </a:fld>
             <a:endParaRPr lang="ko-KR"/>
           </a:p>
@@ -4269,7 +4269,7 @@
               <a:pPr algn="ctr"/>
               <a:r>
                 <a:rPr lang="en-US" altLang="ko-KR" dirty="0"/>
-                <a:t>Line1 .Func1</a:t>
+                <a:t>Line1.Func1</a:t>
               </a:r>
               <a:endParaRPr lang="ko-KR" altLang="en-US" dirty="0"/>
             </a:p>
@@ -5363,34 +5363,6 @@
 </file>
 
 <file path=customXml/item1.xml><?xml version="1.0" encoding="utf-8"?>
-<?mso-contentType ?>
-<FormTemplates xmlns="http://schemas.microsoft.com/sharepoint/v3/contenttype/forms">
-  <Display>DocumentLibraryForm</Display>
-  <Edit>DocumentLibraryForm</Edit>
-  <New>DocumentLibraryForm</New>
-</FormTemplates>
-</file>
-
-<file path=customXml/item2.xml><?xml version="1.0" encoding="utf-8"?>
-<p:properties xmlns:p="http://schemas.microsoft.com/office/2006/metadata/properties" xmlns:xsi="http://www.w3.org/2001/XMLSchema-instance" xmlns:pc="http://schemas.microsoft.com/office/infopath/2007/PartnerControls">
-  <documentManagement>
-    <_ip_UnifiedCompliancePolicyUIAction xmlns="http://schemas.microsoft.com/sharepoint/v3" xsi:nil="true"/>
-    <Image xmlns="71af3243-3dd4-4a8d-8c0d-dd76da1f02a5">
-      <Url xsi:nil="true"/>
-      <Description xsi:nil="true"/>
-    </Image>
-    <Status xmlns="71af3243-3dd4-4a8d-8c0d-dd76da1f02a5">Not started</Status>
-    <_ip_UnifiedCompliancePolicyProperties xmlns="http://schemas.microsoft.com/sharepoint/v3" xsi:nil="true"/>
-    <lcf76f155ced4ddcb4097134ff3c332f xmlns="71af3243-3dd4-4a8d-8c0d-dd76da1f02a5">
-      <Terms xmlns="http://schemas.microsoft.com/office/infopath/2007/PartnerControls"/>
-    </lcf76f155ced4ddcb4097134ff3c332f>
-    <TaxCatchAll xmlns="230e9df3-be65-4c73-a93b-d1236ebd677e"/>
-    <MediaServiceKeyPoints xmlns="71af3243-3dd4-4a8d-8c0d-dd76da1f02a5" xsi:nil="true"/>
-  </documentManagement>
-</p:properties>
-</file>
-
-<file path=customXml/item3.xml><?xml version="1.0" encoding="utf-8"?>
 <ct:contentTypeSchema xmlns:ct="http://schemas.microsoft.com/office/2006/metadata/contentType" xmlns:ma="http://schemas.microsoft.com/office/2006/metadata/properties/metaAttributes" ct:_="" ma:_="" ma:contentTypeName="Document" ma:contentTypeID="0x01010079F111ED35F8CC479449609E8A0923A6" ma:contentTypeVersion="18" ma:contentTypeDescription="Create a new document." ma:contentTypeScope="" ma:versionID="22a266b9fa9a230c5a512669d8b298c3">
   <xsd:schema xmlns:xsd="http://www.w3.org/2001/XMLSchema" xmlns:xs="http://www.w3.org/2001/XMLSchema" xmlns:p="http://schemas.microsoft.com/office/2006/metadata/properties" xmlns:ns1="http://schemas.microsoft.com/sharepoint/v3" xmlns:ns2="71af3243-3dd4-4a8d-8c0d-dd76da1f02a5" xmlns:ns3="16c05727-aa75-4e4a-9b5f-8a80a1165891" xmlns:ns4="230e9df3-be65-4c73-a93b-d1236ebd677e" targetNamespace="http://schemas.microsoft.com/office/2006/metadata/properties" ma:root="true" ma:fieldsID="eddc33fff6b14141ee5c74a0d29ea6a1" ns1:_="" ns2:_="" ns3:_="" ns4:_="">
     <xsd:import namespace="http://schemas.microsoft.com/sharepoint/v3"/>
@@ -5666,10 +5638,51 @@
 </ct:contentTypeSchema>
 </file>
 
+<file path=customXml/item2.xml><?xml version="1.0" encoding="utf-8"?>
+<p:properties xmlns:p="http://schemas.microsoft.com/office/2006/metadata/properties" xmlns:xsi="http://www.w3.org/2001/XMLSchema-instance" xmlns:pc="http://schemas.microsoft.com/office/infopath/2007/PartnerControls">
+  <documentManagement>
+    <_ip_UnifiedCompliancePolicyUIAction xmlns="http://schemas.microsoft.com/sharepoint/v3" xsi:nil="true"/>
+    <Image xmlns="71af3243-3dd4-4a8d-8c0d-dd76da1f02a5">
+      <Url xsi:nil="true"/>
+      <Description xsi:nil="true"/>
+    </Image>
+    <Status xmlns="71af3243-3dd4-4a8d-8c0d-dd76da1f02a5">Not started</Status>
+    <_ip_UnifiedCompliancePolicyProperties xmlns="http://schemas.microsoft.com/sharepoint/v3" xsi:nil="true"/>
+    <lcf76f155ced4ddcb4097134ff3c332f xmlns="71af3243-3dd4-4a8d-8c0d-dd76da1f02a5">
+      <Terms xmlns="http://schemas.microsoft.com/office/infopath/2007/PartnerControls"/>
+    </lcf76f155ced4ddcb4097134ff3c332f>
+    <TaxCatchAll xmlns="230e9df3-be65-4c73-a93b-d1236ebd677e"/>
+    <MediaServiceKeyPoints xmlns="71af3243-3dd4-4a8d-8c0d-dd76da1f02a5" xsi:nil="true"/>
+  </documentManagement>
+</p:properties>
+</file>
+
+<file path=customXml/item3.xml><?xml version="1.0" encoding="utf-8"?>
+<?mso-contentType ?>
+<FormTemplates xmlns="http://schemas.microsoft.com/sharepoint/v3/contenttype/forms">
+  <Display>DocumentLibraryForm</Display>
+  <Edit>DocumentLibraryForm</Edit>
+  <New>DocumentLibraryForm</New>
+</FormTemplates>
+</file>
+
 <file path=customXml/itemProps1.xml><?xml version="1.0" encoding="utf-8"?>
-<ds:datastoreItem xmlns:ds="http://schemas.openxmlformats.org/officeDocument/2006/customXml" ds:itemID="{904751AB-E840-446F-8D49-E697067EC887}">
+<ds:datastoreItem xmlns:ds="http://schemas.openxmlformats.org/officeDocument/2006/customXml" ds:itemID="{DE4876F9-7AE1-498D-B8FE-1E3AD703D2AF}">
   <ds:schemaRefs>
-    <ds:schemaRef ds:uri="http://schemas.microsoft.com/sharepoint/v3/contenttype/forms"/>
+    <ds:schemaRef ds:uri="http://schemas.microsoft.com/office/2006/metadata/contentType"/>
+    <ds:schemaRef ds:uri="http://schemas.microsoft.com/office/2006/metadata/properties/metaAttributes"/>
+    <ds:schemaRef ds:uri="http://www.w3.org/2001/XMLSchema"/>
+    <ds:schemaRef ds:uri="http://schemas.microsoft.com/office/2006/metadata/properties"/>
+    <ds:schemaRef ds:uri="http://schemas.microsoft.com/sharepoint/v3"/>
+    <ds:schemaRef ds:uri="71af3243-3dd4-4a8d-8c0d-dd76da1f02a5"/>
+    <ds:schemaRef ds:uri="16c05727-aa75-4e4a-9b5f-8a80a1165891"/>
+    <ds:schemaRef ds:uri="230e9df3-be65-4c73-a93b-d1236ebd677e"/>
+    <ds:schemaRef ds:uri="http://schemas.microsoft.com/office/2006/documentManagement/types"/>
+    <ds:schemaRef ds:uri="http://schemas.microsoft.com/office/infopath/2007/PartnerControls"/>
+    <ds:schemaRef ds:uri="http://schemas.openxmlformats.org/package/2006/metadata/core-properties"/>
+    <ds:schemaRef ds:uri="http://purl.org/dc/elements/1.1/"/>
+    <ds:schemaRef ds:uri="http://purl.org/dc/terms/"/>
+    <ds:schemaRef ds:uri="http://schemas.microsoft.com/internal/obd"/>
   </ds:schemaRefs>
 </ds:datastoreItem>
 </file>
@@ -5694,22 +5707,9 @@
 </file>
 
 <file path=customXml/itemProps3.xml><?xml version="1.0" encoding="utf-8"?>
-<ds:datastoreItem xmlns:ds="http://schemas.openxmlformats.org/officeDocument/2006/customXml" ds:itemID="{DE4876F9-7AE1-498D-B8FE-1E3AD703D2AF}">
+<ds:datastoreItem xmlns:ds="http://schemas.openxmlformats.org/officeDocument/2006/customXml" ds:itemID="{904751AB-E840-446F-8D49-E697067EC887}">
   <ds:schemaRefs>
-    <ds:schemaRef ds:uri="http://schemas.microsoft.com/office/2006/metadata/contentType"/>
-    <ds:schemaRef ds:uri="http://schemas.microsoft.com/office/2006/metadata/properties/metaAttributes"/>
-    <ds:schemaRef ds:uri="http://www.w3.org/2001/XMLSchema"/>
-    <ds:schemaRef ds:uri="http://schemas.microsoft.com/office/2006/metadata/properties"/>
-    <ds:schemaRef ds:uri="http://schemas.microsoft.com/sharepoint/v3"/>
-    <ds:schemaRef ds:uri="71af3243-3dd4-4a8d-8c0d-dd76da1f02a5"/>
-    <ds:schemaRef ds:uri="16c05727-aa75-4e4a-9b5f-8a80a1165891"/>
-    <ds:schemaRef ds:uri="230e9df3-be65-4c73-a93b-d1236ebd677e"/>
-    <ds:schemaRef ds:uri="http://schemas.microsoft.com/office/2006/documentManagement/types"/>
-    <ds:schemaRef ds:uri="http://schemas.microsoft.com/office/infopath/2007/PartnerControls"/>
-    <ds:schemaRef ds:uri="http://schemas.openxmlformats.org/package/2006/metadata/core-properties"/>
-    <ds:schemaRef ds:uri="http://purl.org/dc/elements/1.1/"/>
-    <ds:schemaRef ds:uri="http://purl.org/dc/terms/"/>
-    <ds:schemaRef ds:uri="http://schemas.microsoft.com/internal/obd"/>
+    <ds:schemaRef ds:uri="http://schemas.microsoft.com/sharepoint/v3/contenttype/forms"/>
   </ds:schemaRefs>
 </ds:datastoreItem>
 </file>

--- a/DsDotNet/src/UnitTest/UnitTest.Model/ImportOfficeExample/Sample/Factory.pptx
+++ b/DsDotNet/src/UnitTest/UnitTest.Model/ImportOfficeExample/Sample/Factory.pptx
@@ -1651,7 +1651,7 @@
             <a:pPr rtl="0"/>
             <a:fld id="{253C4B8E-01F0-49DB-9813-C383CBCD4BDF}" type="datetime1">
               <a:rPr lang="ko-KR" altLang="en-US" smtClean="0"/>
-              <a:t>2023-11-06</a:t>
+              <a:t>2024-05-29</a:t>
             </a:fld>
             <a:endParaRPr lang="ko-KR"/>
           </a:p>
@@ -1833,7 +1833,7 @@
             <a:pPr rtl="0"/>
             <a:fld id="{3A6F407E-5533-4A20-9E83-3BE9F89F0701}" type="datetime1">
               <a:rPr lang="ko-KR" altLang="en-US" smtClean="0"/>
-              <a:t>2023-11-06</a:t>
+              <a:t>2024-05-29</a:t>
             </a:fld>
             <a:endParaRPr lang="ko-KR"/>
           </a:p>
@@ -4137,10 +4137,10 @@
       </p:sp>
       <p:grpSp>
         <p:nvGrpSpPr>
-          <p:cNvPr id="41" name="그룹 40">
+          <p:cNvPr id="8" name="그룹 7">
             <a:extLst>
               <a:ext uri="{FF2B5EF4-FFF2-40B4-BE49-F238E27FC236}">
-                <a16:creationId xmlns:a16="http://schemas.microsoft.com/office/drawing/2014/main" id="{7E8B58E2-E201-00DE-8CCB-4D86C6B0DDFB}"/>
+                <a16:creationId xmlns:a16="http://schemas.microsoft.com/office/drawing/2014/main" id="{3E8599A3-1FF3-94FE-1B15-32F43EB75E2D}"/>
               </a:ext>
             </a:extLst>
           </p:cNvPr>
@@ -4151,8 +4151,8 @@
           <a:xfrm>
             <a:off x="522144" y="2430965"/>
             <a:ext cx="3510106" cy="2331536"/>
-            <a:chOff x="848416" y="1962150"/>
-            <a:chExt cx="5724526" cy="3590925"/>
+            <a:chOff x="522144" y="2430965"/>
+            <a:chExt cx="3510106" cy="2331536"/>
           </a:xfrm>
         </p:grpSpPr>
         <p:sp>
@@ -4169,8 +4169,8 @@
           </p:nvSpPr>
           <p:spPr>
             <a:xfrm>
-              <a:off x="848416" y="1962150"/>
-              <a:ext cx="5724526" cy="3590925"/>
+              <a:off x="522144" y="2430965"/>
+              <a:ext cx="3510106" cy="2331536"/>
             </a:xfrm>
             <a:prstGeom prst="rect">
               <a:avLst/>
@@ -4233,8 +4233,8 @@
           </p:nvSpPr>
           <p:spPr>
             <a:xfrm>
-              <a:off x="2091139" y="3265084"/>
-              <a:ext cx="3239080" cy="1182854"/>
+              <a:off x="1284144" y="3276941"/>
+              <a:ext cx="1986106" cy="768010"/>
             </a:xfrm>
             <a:prstGeom prst="ellipse">
               <a:avLst/>
@@ -4278,10 +4278,10 @@
       </p:grpSp>
       <p:grpSp>
         <p:nvGrpSpPr>
-          <p:cNvPr id="49" name="그룹 48">
+          <p:cNvPr id="7" name="그룹 6">
             <a:extLst>
               <a:ext uri="{FF2B5EF4-FFF2-40B4-BE49-F238E27FC236}">
-                <a16:creationId xmlns:a16="http://schemas.microsoft.com/office/drawing/2014/main" id="{660677F3-E16D-632B-7D20-B34230C3DB69}"/>
+                <a16:creationId xmlns:a16="http://schemas.microsoft.com/office/drawing/2014/main" id="{7B19BC2E-00F4-B31F-E443-CB740102F929}"/>
               </a:ext>
             </a:extLst>
           </p:cNvPr>
@@ -4292,7 +4292,7 @@
           <a:xfrm>
             <a:off x="5024221" y="2430964"/>
             <a:ext cx="3510106" cy="2331536"/>
-            <a:chOff x="5179147" y="3059637"/>
+            <a:chOff x="5024221" y="2430964"/>
             <a:chExt cx="3510106" cy="2331536"/>
           </a:xfrm>
         </p:grpSpPr>
@@ -4310,7 +4310,7 @@
           </p:nvSpPr>
           <p:spPr>
             <a:xfrm>
-              <a:off x="5179147" y="3059637"/>
+              <a:off x="5024221" y="2430964"/>
               <a:ext cx="3510106" cy="2331536"/>
             </a:xfrm>
             <a:prstGeom prst="rect">
@@ -4374,7 +4374,7 @@
           </p:nvSpPr>
           <p:spPr>
             <a:xfrm>
-              <a:off x="6096000" y="3894795"/>
+              <a:off x="5941074" y="3266122"/>
               <a:ext cx="1703319" cy="798819"/>
             </a:xfrm>
             <a:prstGeom prst="ellipse">
@@ -4422,7 +4422,7 @@
           <p:cNvPr id="3" name="그룹 2">
             <a:extLst>
               <a:ext uri="{FF2B5EF4-FFF2-40B4-BE49-F238E27FC236}">
-                <a16:creationId xmlns:a16="http://schemas.microsoft.com/office/drawing/2014/main" id="{2D94075F-79B2-1F57-EA8D-9123F7C419F2}"/>
+                <a16:creationId xmlns:a16="http://schemas.microsoft.com/office/drawing/2014/main" id="{856F76EA-2722-11F0-85FD-043E0C0EBED0}"/>
               </a:ext>
             </a:extLst>
           </p:cNvPr>
@@ -4433,8 +4433,8 @@
           <a:xfrm>
             <a:off x="522144" y="5182871"/>
             <a:ext cx="3510106" cy="745398"/>
-            <a:chOff x="848416" y="1962150"/>
-            <a:chExt cx="5724526" cy="3590925"/>
+            <a:chOff x="522144" y="5182871"/>
+            <a:chExt cx="3510106" cy="745398"/>
           </a:xfrm>
         </p:grpSpPr>
         <p:sp>
@@ -4451,8 +4451,8 @@
           </p:nvSpPr>
           <p:spPr>
             <a:xfrm>
-              <a:off x="848416" y="1962150"/>
-              <a:ext cx="5724526" cy="3590925"/>
+              <a:off x="522144" y="5182871"/>
+              <a:ext cx="3510106" cy="745398"/>
             </a:xfrm>
             <a:prstGeom prst="rect">
               <a:avLst/>
@@ -4515,8 +4515,8 @@
           </p:nvSpPr>
           <p:spPr>
             <a:xfrm>
-              <a:off x="2091139" y="3265084"/>
-              <a:ext cx="3239080" cy="1182854"/>
+              <a:off x="1284144" y="5453332"/>
+              <a:ext cx="1986106" cy="245535"/>
             </a:xfrm>
             <a:prstGeom prst="ellipse">
               <a:avLst/>
